--- a/ppt/front-end/Javascript.pptx
+++ b/ppt/front-end/Javascript.pptx
@@ -8,6 +8,16 @@
     <p:sldId id="256" r:id="rId2"/>
     <p:sldId id="257" r:id="rId3"/>
     <p:sldId id="258" r:id="rId4"/>
+    <p:sldId id="259" r:id="rId5"/>
+    <p:sldId id="260" r:id="rId6"/>
+    <p:sldId id="261" r:id="rId7"/>
+    <p:sldId id="262" r:id="rId8"/>
+    <p:sldId id="263" r:id="rId9"/>
+    <p:sldId id="264" r:id="rId10"/>
+    <p:sldId id="265" r:id="rId11"/>
+    <p:sldId id="266" r:id="rId12"/>
+    <p:sldId id="267" r:id="rId13"/>
+    <p:sldId id="268" r:id="rId14"/>
   </p:sldIdLst>
   <p:sldSz cx="12192000" cy="6858000"/>
   <p:notesSz cx="6858000" cy="9144000"/>
@@ -1507,6 +1517,246 @@
 </p:sld>
 </file>
 
+<file path=ppt/slides/slide10.xml><?xml version="1.0" encoding="utf-8"?>
+<p:sld xmlns:a="http://schemas.openxmlformats.org/drawingml/2006/main" xmlns:r="http://schemas.openxmlformats.org/officeDocument/2006/relationships" xmlns:p="http://schemas.openxmlformats.org/presentationml/2006/main">
+  <p:cSld>
+    <p:spTree>
+      <p:nvGrpSpPr>
+        <p:cNvPr id="1" name=""/>
+        <p:cNvGrpSpPr/>
+        <p:nvPr/>
+      </p:nvGrpSpPr>
+      <p:grpSpPr>
+        <a:xfrm>
+          <a:off x="0" y="0"/>
+          <a:ext cx="0" cy="0"/>
+          <a:chOff x="0" y="0"/>
+          <a:chExt cx="0" cy="0"/>
+        </a:xfrm>
+      </p:grpSpPr>
+      <p:sp>
+        <p:nvSpPr>
+          <p:cNvPr id="2" name="标题 1"/>
+          <p:cNvSpPr>
+            <a:spLocks noGrp="1"/>
+          </p:cNvSpPr>
+          <p:nvPr>
+            <p:ph type="title"/>
+          </p:nvPr>
+        </p:nvSpPr>
+        <p:spPr/>
+        <p:txBody>
+          <a:bodyPr/>
+          <a:lstStyle/>
+          <a:p>
+            <a:r>
+              <a:rPr lang="zh-CN" altLang="en-US" dirty="0" smtClean="0"/>
+              <a:t>对象</a:t>
+            </a:r>
+            <a:endParaRPr lang="zh-CN" altLang="en-US" dirty="0"/>
+          </a:p>
+        </p:txBody>
+      </p:sp>
+    </p:spTree>
+    <p:extLst>
+      <p:ext uri="{BB962C8B-B14F-4D97-AF65-F5344CB8AC3E}">
+        <p14:creationId xmlns:p14="http://schemas.microsoft.com/office/powerpoint/2010/main" val="3510078433"/>
+      </p:ext>
+    </p:extLst>
+  </p:cSld>
+  <p:clrMapOvr>
+    <a:masterClrMapping/>
+  </p:clrMapOvr>
+  <p:timing>
+    <p:tnLst>
+      <p:par>
+        <p:cTn id="1" dur="indefinite" restart="never" nodeType="tmRoot"/>
+      </p:par>
+    </p:tnLst>
+  </p:timing>
+</p:sld>
+</file>
+
+<file path=ppt/slides/slide11.xml><?xml version="1.0" encoding="utf-8"?>
+<p:sld xmlns:a="http://schemas.openxmlformats.org/drawingml/2006/main" xmlns:r="http://schemas.openxmlformats.org/officeDocument/2006/relationships" xmlns:p="http://schemas.openxmlformats.org/presentationml/2006/main">
+  <p:cSld>
+    <p:spTree>
+      <p:nvGrpSpPr>
+        <p:cNvPr id="1" name=""/>
+        <p:cNvGrpSpPr/>
+        <p:nvPr/>
+      </p:nvGrpSpPr>
+      <p:grpSpPr>
+        <a:xfrm>
+          <a:off x="0" y="0"/>
+          <a:ext cx="0" cy="0"/>
+          <a:chOff x="0" y="0"/>
+          <a:chExt cx="0" cy="0"/>
+        </a:xfrm>
+      </p:grpSpPr>
+      <p:sp>
+        <p:nvSpPr>
+          <p:cNvPr id="2" name="标题 1"/>
+          <p:cNvSpPr>
+            <a:spLocks noGrp="1"/>
+          </p:cNvSpPr>
+          <p:nvPr>
+            <p:ph type="title"/>
+          </p:nvPr>
+        </p:nvSpPr>
+        <p:spPr/>
+        <p:txBody>
+          <a:bodyPr/>
+          <a:lstStyle/>
+          <a:p>
+            <a:r>
+              <a:rPr lang="zh-CN" altLang="en-US" dirty="0" smtClean="0"/>
+              <a:t>数组</a:t>
+            </a:r>
+            <a:endParaRPr lang="zh-CN" altLang="en-US" dirty="0"/>
+          </a:p>
+        </p:txBody>
+      </p:sp>
+    </p:spTree>
+    <p:extLst>
+      <p:ext uri="{BB962C8B-B14F-4D97-AF65-F5344CB8AC3E}">
+        <p14:creationId xmlns:p14="http://schemas.microsoft.com/office/powerpoint/2010/main" val="1104300114"/>
+      </p:ext>
+    </p:extLst>
+  </p:cSld>
+  <p:clrMapOvr>
+    <a:masterClrMapping/>
+  </p:clrMapOvr>
+  <p:timing>
+    <p:tnLst>
+      <p:par>
+        <p:cTn id="1" dur="indefinite" restart="never" nodeType="tmRoot"/>
+      </p:par>
+    </p:tnLst>
+  </p:timing>
+</p:sld>
+</file>
+
+<file path=ppt/slides/slide12.xml><?xml version="1.0" encoding="utf-8"?>
+<p:sld xmlns:a="http://schemas.openxmlformats.org/drawingml/2006/main" xmlns:r="http://schemas.openxmlformats.org/officeDocument/2006/relationships" xmlns:p="http://schemas.openxmlformats.org/presentationml/2006/main">
+  <p:cSld>
+    <p:spTree>
+      <p:nvGrpSpPr>
+        <p:cNvPr id="1" name=""/>
+        <p:cNvGrpSpPr/>
+        <p:nvPr/>
+      </p:nvGrpSpPr>
+      <p:grpSpPr>
+        <a:xfrm>
+          <a:off x="0" y="0"/>
+          <a:ext cx="0" cy="0"/>
+          <a:chOff x="0" y="0"/>
+          <a:chExt cx="0" cy="0"/>
+        </a:xfrm>
+      </p:grpSpPr>
+      <p:sp>
+        <p:nvSpPr>
+          <p:cNvPr id="2" name="标题 1"/>
+          <p:cNvSpPr>
+            <a:spLocks noGrp="1"/>
+          </p:cNvSpPr>
+          <p:nvPr>
+            <p:ph type="title"/>
+          </p:nvPr>
+        </p:nvSpPr>
+        <p:spPr/>
+        <p:txBody>
+          <a:bodyPr/>
+          <a:lstStyle/>
+          <a:p>
+            <a:r>
+              <a:rPr lang="zh-CN" altLang="en-US" dirty="0" smtClean="0"/>
+              <a:t>函数</a:t>
+            </a:r>
+            <a:endParaRPr lang="zh-CN" altLang="en-US" dirty="0"/>
+          </a:p>
+        </p:txBody>
+      </p:sp>
+    </p:spTree>
+    <p:extLst>
+      <p:ext uri="{BB962C8B-B14F-4D97-AF65-F5344CB8AC3E}">
+        <p14:creationId xmlns:p14="http://schemas.microsoft.com/office/powerpoint/2010/main" val="2355497442"/>
+      </p:ext>
+    </p:extLst>
+  </p:cSld>
+  <p:clrMapOvr>
+    <a:masterClrMapping/>
+  </p:clrMapOvr>
+  <p:timing>
+    <p:tnLst>
+      <p:par>
+        <p:cTn id="1" dur="indefinite" restart="never" nodeType="tmRoot"/>
+      </p:par>
+    </p:tnLst>
+  </p:timing>
+</p:sld>
+</file>
+
+<file path=ppt/slides/slide13.xml><?xml version="1.0" encoding="utf-8"?>
+<p:sld xmlns:a="http://schemas.openxmlformats.org/drawingml/2006/main" xmlns:r="http://schemas.openxmlformats.org/officeDocument/2006/relationships" xmlns:p="http://schemas.openxmlformats.org/presentationml/2006/main">
+  <p:cSld>
+    <p:spTree>
+      <p:nvGrpSpPr>
+        <p:cNvPr id="1" name=""/>
+        <p:cNvGrpSpPr/>
+        <p:nvPr/>
+      </p:nvGrpSpPr>
+      <p:grpSpPr>
+        <a:xfrm>
+          <a:off x="0" y="0"/>
+          <a:ext cx="0" cy="0"/>
+          <a:chOff x="0" y="0"/>
+          <a:chExt cx="0" cy="0"/>
+        </a:xfrm>
+      </p:grpSpPr>
+      <p:sp>
+        <p:nvSpPr>
+          <p:cNvPr id="2" name="标题 1"/>
+          <p:cNvSpPr>
+            <a:spLocks noGrp="1"/>
+          </p:cNvSpPr>
+          <p:nvPr>
+            <p:ph type="title"/>
+          </p:nvPr>
+        </p:nvSpPr>
+        <p:spPr/>
+        <p:txBody>
+          <a:bodyPr/>
+          <a:lstStyle/>
+          <a:p>
+            <a:r>
+              <a:rPr lang="zh-CN" altLang="en-US" dirty="0" smtClean="0"/>
+              <a:t>闭包</a:t>
+            </a:r>
+            <a:endParaRPr lang="zh-CN" altLang="en-US" dirty="0"/>
+          </a:p>
+        </p:txBody>
+      </p:sp>
+    </p:spTree>
+    <p:extLst>
+      <p:ext uri="{BB962C8B-B14F-4D97-AF65-F5344CB8AC3E}">
+        <p14:creationId xmlns:p14="http://schemas.microsoft.com/office/powerpoint/2010/main" val="475171264"/>
+      </p:ext>
+    </p:extLst>
+  </p:cSld>
+  <p:clrMapOvr>
+    <a:masterClrMapping/>
+  </p:clrMapOvr>
+  <p:timing>
+    <p:tnLst>
+      <p:par>
+        <p:cTn id="1" dur="indefinite" restart="never" nodeType="tmRoot"/>
+      </p:par>
+    </p:tnLst>
+  </p:timing>
+</p:sld>
+</file>
+
 <file path=ppt/slides/slide2.xml><?xml version="1.0" encoding="utf-8"?>
 <p:sld xmlns:a="http://schemas.openxmlformats.org/drawingml/2006/main" xmlns:r="http://schemas.openxmlformats.org/officeDocument/2006/relationships" xmlns:p="http://schemas.openxmlformats.org/presentationml/2006/main">
   <p:cSld>
@@ -1545,19 +1795,81 @@
           <a:lstStyle/>
           <a:p>
             <a:r>
+              <a:rPr lang="en-US" altLang="zh-CN" dirty="0" err="1" smtClean="0"/>
+              <a:t>Javascript</a:t>
+            </a:r>
+            <a:r>
+              <a:rPr lang="zh-CN" altLang="en-US" dirty="0" smtClean="0"/>
+              <a:t>是什么</a:t>
+            </a:r>
+            <a:r>
+              <a:rPr lang="en-US" altLang="zh-CN" dirty="0" smtClean="0"/>
+              <a:t>?</a:t>
+            </a:r>
+          </a:p>
+          <a:p>
+            <a:r>
+              <a:rPr lang="en-US" altLang="zh-CN" dirty="0" err="1" smtClean="0"/>
+              <a:t>Javascript</a:t>
+            </a:r>
+            <a:r>
+              <a:rPr lang="zh-CN" altLang="en-US" dirty="0" smtClean="0"/>
+              <a:t>引入</a:t>
+            </a:r>
+            <a:endParaRPr lang="en-US" altLang="zh-CN" dirty="0" smtClean="0"/>
+          </a:p>
+          <a:p>
+            <a:r>
+              <a:rPr lang="zh-CN" altLang="en-US" dirty="0"/>
+              <a:t>注解</a:t>
+            </a:r>
+            <a:endParaRPr lang="en-US" altLang="zh-CN" dirty="0" smtClean="0"/>
+          </a:p>
+          <a:p>
+            <a:r>
               <a:rPr lang="zh-CN" altLang="en-US" dirty="0" smtClean="0"/>
               <a:t>语法知识</a:t>
             </a:r>
+            <a:r>
+              <a:rPr lang="en-US" altLang="zh-CN" dirty="0" smtClean="0"/>
+              <a:t>(</a:t>
+            </a:r>
+            <a:r>
+              <a:rPr lang="zh-CN" altLang="en-US" dirty="0" smtClean="0"/>
+              <a:t>变量</a:t>
+            </a:r>
+            <a:r>
+              <a:rPr lang="en-US" altLang="zh-CN" dirty="0" smtClean="0"/>
+              <a:t>,</a:t>
+            </a:r>
+            <a:r>
+              <a:rPr lang="zh-CN" altLang="en-US" dirty="0" smtClean="0"/>
+              <a:t>变量类型</a:t>
+            </a:r>
+            <a:r>
+              <a:rPr lang="en-US" altLang="zh-CN" dirty="0" smtClean="0"/>
+              <a:t>)</a:t>
+            </a:r>
             <a:endParaRPr lang="en-US" altLang="zh-CN" dirty="0" smtClean="0"/>
           </a:p>
           <a:p>
             <a:r>
-              <a:rPr lang="zh-CN" altLang="en-US" smtClean="0"/>
+              <a:rPr lang="zh-CN" altLang="en-US" dirty="0" smtClean="0"/>
               <a:t>条件</a:t>
             </a:r>
             <a:r>
-              <a:rPr lang="zh-CN" altLang="en-US" smtClean="0"/>
+              <a:rPr lang="zh-CN" altLang="en-US" dirty="0" smtClean="0"/>
               <a:t>语句</a:t>
+            </a:r>
+            <a:r>
+              <a:rPr lang="en-US" altLang="zh-CN" dirty="0" smtClean="0"/>
+              <a:t>(if else)</a:t>
+            </a:r>
+          </a:p>
+          <a:p>
+            <a:r>
+              <a:rPr lang="zh-CN" altLang="en-US" dirty="0" smtClean="0"/>
+              <a:t>循环语句</a:t>
             </a:r>
             <a:endParaRPr lang="en-US" altLang="zh-CN" dirty="0" smtClean="0"/>
           </a:p>
@@ -1615,7 +1927,77 @@
           <a:bodyPr/>
           <a:lstStyle/>
           <a:p>
+            <a:r>
+              <a:rPr lang="en-US" altLang="zh-CN" dirty="0" err="1" smtClean="0"/>
+              <a:t>Javascript</a:t>
+            </a:r>
+            <a:r>
+              <a:rPr lang="zh-CN" altLang="en-US" dirty="0" smtClean="0"/>
+              <a:t>是什么</a:t>
+            </a:r>
+            <a:r>
+              <a:rPr lang="en-US" altLang="zh-CN" dirty="0" smtClean="0"/>
+              <a:t>?</a:t>
+            </a:r>
             <a:endParaRPr lang="zh-CN" altLang="en-US" dirty="0"/>
+          </a:p>
+        </p:txBody>
+      </p:sp>
+      <p:sp>
+        <p:nvSpPr>
+          <p:cNvPr id="4" name="矩形 3"/>
+          <p:cNvSpPr/>
+          <p:nvPr/>
+        </p:nvSpPr>
+        <p:spPr>
+          <a:xfrm>
+            <a:off x="556845" y="1387734"/>
+            <a:ext cx="11358490" cy="1754326"/>
+          </a:xfrm>
+          <a:prstGeom prst="rect">
+            <a:avLst/>
+          </a:prstGeom>
+        </p:spPr>
+        <p:txBody>
+          <a:bodyPr wrap="square">
+            <a:spAutoFit/>
+          </a:bodyPr>
+          <a:lstStyle/>
+          <a:p>
+            <a:r>
+              <a:rPr lang="zh-CN" altLang="en-US" dirty="0"/>
+              <a:t>JavaScript 是一种面向对象的动态语言，它包含类型、运算符、标准内置（ built-in）对象和方法。它的语法来源于 Java 和 C，所以这两种语言的许多语法特性同样适用于 JavaScript</a:t>
+            </a:r>
+            <a:r>
+              <a:rPr lang="zh-CN" altLang="en-US" dirty="0" smtClean="0"/>
+              <a:t>。</a:t>
+            </a:r>
+            <a:endParaRPr lang="en-US" altLang="zh-CN" dirty="0" smtClean="0"/>
+          </a:p>
+          <a:p>
+            <a:r>
+              <a:rPr lang="zh-CN" altLang="en-US" dirty="0" smtClean="0"/>
+              <a:t>需要</a:t>
+            </a:r>
+            <a:r>
+              <a:rPr lang="zh-CN" altLang="en-US" dirty="0"/>
+              <a:t>注意的一个主要区别是 JavaScript 不支持类，类这一概念在 JavaScript 通过对象原型（object prototype）得到延续（有关 ES6 类的内容参考这里Classes）</a:t>
+            </a:r>
+            <a:r>
+              <a:rPr lang="zh-CN" altLang="en-US" dirty="0" smtClean="0"/>
+              <a:t>。</a:t>
+            </a:r>
+            <a:endParaRPr lang="en-US" altLang="zh-CN" dirty="0" smtClean="0"/>
+          </a:p>
+          <a:p>
+            <a:r>
+              <a:rPr lang="zh-CN" altLang="en-US" dirty="0" smtClean="0"/>
+              <a:t>另</a:t>
+            </a:r>
+            <a:r>
+              <a:rPr lang="zh-CN" altLang="en-US" dirty="0"/>
+              <a:t>一个主要区别是 JavaScript 中的函数也是对象，JavaScript 允许函数在包含可执行代码的同时，能像其他对象一样被传递。</a:t>
+            </a:r>
           </a:p>
         </p:txBody>
       </p:sp>
@@ -1623,6 +2005,815 @@
     <p:extLst>
       <p:ext uri="{BB962C8B-B14F-4D97-AF65-F5344CB8AC3E}">
         <p14:creationId xmlns:p14="http://schemas.microsoft.com/office/powerpoint/2010/main" val="1423518572"/>
+      </p:ext>
+    </p:extLst>
+  </p:cSld>
+  <p:clrMapOvr>
+    <a:masterClrMapping/>
+  </p:clrMapOvr>
+  <p:timing>
+    <p:tnLst>
+      <p:par>
+        <p:cTn id="1" dur="indefinite" restart="never" nodeType="tmRoot"/>
+      </p:par>
+    </p:tnLst>
+  </p:timing>
+</p:sld>
+</file>
+
+<file path=ppt/slides/slide4.xml><?xml version="1.0" encoding="utf-8"?>
+<p:sld xmlns:a="http://schemas.openxmlformats.org/drawingml/2006/main" xmlns:r="http://schemas.openxmlformats.org/officeDocument/2006/relationships" xmlns:p="http://schemas.openxmlformats.org/presentationml/2006/main">
+  <p:cSld>
+    <p:spTree>
+      <p:nvGrpSpPr>
+        <p:cNvPr id="1" name=""/>
+        <p:cNvGrpSpPr/>
+        <p:nvPr/>
+      </p:nvGrpSpPr>
+      <p:grpSpPr>
+        <a:xfrm>
+          <a:off x="0" y="0"/>
+          <a:ext cx="0" cy="0"/>
+          <a:chOff x="0" y="0"/>
+          <a:chExt cx="0" cy="0"/>
+        </a:xfrm>
+      </p:grpSpPr>
+      <p:sp>
+        <p:nvSpPr>
+          <p:cNvPr id="2" name="标题 1"/>
+          <p:cNvSpPr>
+            <a:spLocks noGrp="1"/>
+          </p:cNvSpPr>
+          <p:nvPr>
+            <p:ph type="title"/>
+          </p:nvPr>
+        </p:nvSpPr>
+        <p:spPr/>
+        <p:txBody>
+          <a:bodyPr/>
+          <a:lstStyle/>
+          <a:p>
+            <a:r>
+              <a:rPr lang="en-US" altLang="zh-CN" dirty="0" err="1" smtClean="0"/>
+              <a:t>Javascript</a:t>
+            </a:r>
+            <a:r>
+              <a:rPr lang="zh-CN" altLang="en-US" dirty="0" smtClean="0"/>
+              <a:t>引入</a:t>
+            </a:r>
+            <a:endParaRPr lang="zh-CN" altLang="en-US" dirty="0"/>
+          </a:p>
+        </p:txBody>
+      </p:sp>
+    </p:spTree>
+    <p:extLst>
+      <p:ext uri="{BB962C8B-B14F-4D97-AF65-F5344CB8AC3E}">
+        <p14:creationId xmlns:p14="http://schemas.microsoft.com/office/powerpoint/2010/main" val="260132667"/>
+      </p:ext>
+    </p:extLst>
+  </p:cSld>
+  <p:clrMapOvr>
+    <a:masterClrMapping/>
+  </p:clrMapOvr>
+  <p:timing>
+    <p:tnLst>
+      <p:par>
+        <p:cTn id="1" dur="indefinite" restart="never" nodeType="tmRoot"/>
+      </p:par>
+    </p:tnLst>
+  </p:timing>
+</p:sld>
+</file>
+
+<file path=ppt/slides/slide5.xml><?xml version="1.0" encoding="utf-8"?>
+<p:sld xmlns:a="http://schemas.openxmlformats.org/drawingml/2006/main" xmlns:r="http://schemas.openxmlformats.org/officeDocument/2006/relationships" xmlns:p="http://schemas.openxmlformats.org/presentationml/2006/main">
+  <p:cSld>
+    <p:spTree>
+      <p:nvGrpSpPr>
+        <p:cNvPr id="1" name=""/>
+        <p:cNvGrpSpPr/>
+        <p:nvPr/>
+      </p:nvGrpSpPr>
+      <p:grpSpPr>
+        <a:xfrm>
+          <a:off x="0" y="0"/>
+          <a:ext cx="0" cy="0"/>
+          <a:chOff x="0" y="0"/>
+          <a:chExt cx="0" cy="0"/>
+        </a:xfrm>
+      </p:grpSpPr>
+      <p:sp>
+        <p:nvSpPr>
+          <p:cNvPr id="2" name="标题 1"/>
+          <p:cNvSpPr>
+            <a:spLocks noGrp="1"/>
+          </p:cNvSpPr>
+          <p:nvPr>
+            <p:ph type="title"/>
+          </p:nvPr>
+        </p:nvSpPr>
+        <p:spPr/>
+        <p:txBody>
+          <a:bodyPr/>
+          <a:lstStyle/>
+          <a:p>
+            <a:r>
+              <a:rPr lang="en-US" altLang="zh-CN" dirty="0" err="1" smtClean="0"/>
+              <a:t>Javascript</a:t>
+            </a:r>
+            <a:r>
+              <a:rPr lang="zh-CN" altLang="en-US" dirty="0" smtClean="0"/>
+              <a:t>注解</a:t>
+            </a:r>
+            <a:endParaRPr lang="zh-CN" altLang="en-US" dirty="0"/>
+          </a:p>
+        </p:txBody>
+      </p:sp>
+    </p:spTree>
+    <p:extLst>
+      <p:ext uri="{BB962C8B-B14F-4D97-AF65-F5344CB8AC3E}">
+        <p14:creationId xmlns:p14="http://schemas.microsoft.com/office/powerpoint/2010/main" val="1417820456"/>
+      </p:ext>
+    </p:extLst>
+  </p:cSld>
+  <p:clrMapOvr>
+    <a:masterClrMapping/>
+  </p:clrMapOvr>
+  <p:timing>
+    <p:tnLst>
+      <p:par>
+        <p:cTn id="1" dur="indefinite" restart="never" nodeType="tmRoot"/>
+      </p:par>
+    </p:tnLst>
+  </p:timing>
+</p:sld>
+</file>
+
+<file path=ppt/slides/slide6.xml><?xml version="1.0" encoding="utf-8"?>
+<p:sld xmlns:a="http://schemas.openxmlformats.org/drawingml/2006/main" xmlns:r="http://schemas.openxmlformats.org/officeDocument/2006/relationships" xmlns:p="http://schemas.openxmlformats.org/presentationml/2006/main">
+  <p:cSld>
+    <p:spTree>
+      <p:nvGrpSpPr>
+        <p:cNvPr id="1" name=""/>
+        <p:cNvGrpSpPr/>
+        <p:nvPr/>
+      </p:nvGrpSpPr>
+      <p:grpSpPr>
+        <a:xfrm>
+          <a:off x="0" y="0"/>
+          <a:ext cx="0" cy="0"/>
+          <a:chOff x="0" y="0"/>
+          <a:chExt cx="0" cy="0"/>
+        </a:xfrm>
+      </p:grpSpPr>
+      <p:sp>
+        <p:nvSpPr>
+          <p:cNvPr id="2" name="标题 1"/>
+          <p:cNvSpPr>
+            <a:spLocks noGrp="1"/>
+          </p:cNvSpPr>
+          <p:nvPr>
+            <p:ph type="title"/>
+          </p:nvPr>
+        </p:nvSpPr>
+        <p:spPr/>
+        <p:txBody>
+          <a:bodyPr/>
+          <a:lstStyle/>
+          <a:p>
+            <a:r>
+              <a:rPr lang="en-US" altLang="zh-CN" dirty="0" err="1" smtClean="0"/>
+              <a:t>Javascript</a:t>
+            </a:r>
+            <a:r>
+              <a:rPr lang="zh-CN" altLang="en-US" dirty="0" smtClean="0"/>
+              <a:t>类型</a:t>
+            </a:r>
+            <a:endParaRPr lang="zh-CN" altLang="en-US" dirty="0"/>
+          </a:p>
+        </p:txBody>
+      </p:sp>
+      <p:sp>
+        <p:nvSpPr>
+          <p:cNvPr id="3" name="Rectangle 1"/>
+          <p:cNvSpPr>
+            <a:spLocks noChangeArrowheads="1"/>
+          </p:cNvSpPr>
+          <p:nvPr/>
+        </p:nvSpPr>
+        <p:spPr bwMode="auto">
+          <a:xfrm>
+            <a:off x="556845" y="1519894"/>
+            <a:ext cx="4244453" cy="5078313"/>
+          </a:xfrm>
+          <a:prstGeom prst="rect">
+            <a:avLst/>
+          </a:prstGeom>
+          <a:ln/>
+        </p:spPr>
+        <p:style>
+          <a:lnRef idx="2">
+            <a:schemeClr val="dk1">
+              <a:shade val="50000"/>
+            </a:schemeClr>
+          </a:lnRef>
+          <a:fillRef idx="1">
+            <a:schemeClr val="dk1"/>
+          </a:fillRef>
+          <a:effectRef idx="0">
+            <a:schemeClr val="dk1"/>
+          </a:effectRef>
+          <a:fontRef idx="minor">
+            <a:schemeClr val="lt1"/>
+          </a:fontRef>
+        </p:style>
+        <p:txBody>
+          <a:bodyPr vert="horz" wrap="square" lIns="91440" tIns="45720" rIns="91440" bIns="45720" numCol="1" anchor="ctr" anchorCtr="0" compatLnSpc="1">
+            <a:prstTxWarp prst="textNoShape">
+              <a:avLst/>
+            </a:prstTxWarp>
+            <a:spAutoFit/>
+          </a:bodyPr>
+          <a:lstStyle/>
+          <a:p>
+            <a:pPr eaLnBrk="0" fontAlgn="base" hangingPunct="0">
+              <a:lnSpc>
+                <a:spcPct val="150000"/>
+              </a:lnSpc>
+              <a:spcBef>
+                <a:spcPct val="0"/>
+              </a:spcBef>
+              <a:spcAft>
+                <a:spcPct val="0"/>
+              </a:spcAft>
+            </a:pPr>
+            <a:r>
+              <a:rPr lang="zh-CN" altLang="zh-CN" dirty="0" smtClean="0">
+                <a:latin typeface="Arial" panose="020B0604020202020204" pitchFamily="34" charset="0"/>
+              </a:rPr>
+              <a:t>Number</a:t>
+            </a:r>
+            <a:r>
+              <a:rPr lang="zh-CN" dirty="0">
+                <a:latin typeface="Arial" panose="020B0604020202020204" pitchFamily="34" charset="0"/>
+              </a:rPr>
+              <a:t>（数字） </a:t>
+            </a:r>
+          </a:p>
+          <a:p>
+            <a:pPr eaLnBrk="0" fontAlgn="base" hangingPunct="0">
+              <a:lnSpc>
+                <a:spcPct val="150000"/>
+              </a:lnSpc>
+              <a:spcBef>
+                <a:spcPct val="0"/>
+              </a:spcBef>
+              <a:spcAft>
+                <a:spcPct val="0"/>
+              </a:spcAft>
+            </a:pPr>
+            <a:r>
+              <a:rPr lang="zh-CN" altLang="zh-CN" dirty="0">
+                <a:latin typeface="Arial" panose="020B0604020202020204" pitchFamily="34" charset="0"/>
+              </a:rPr>
+              <a:t>String</a:t>
+            </a:r>
+            <a:r>
+              <a:rPr lang="zh-CN" dirty="0">
+                <a:latin typeface="Arial" panose="020B0604020202020204" pitchFamily="34" charset="0"/>
+              </a:rPr>
+              <a:t>（字符串） </a:t>
+            </a:r>
+          </a:p>
+          <a:p>
+            <a:pPr eaLnBrk="0" fontAlgn="base" hangingPunct="0">
+              <a:lnSpc>
+                <a:spcPct val="150000"/>
+              </a:lnSpc>
+              <a:spcBef>
+                <a:spcPct val="0"/>
+              </a:spcBef>
+              <a:spcAft>
+                <a:spcPct val="0"/>
+              </a:spcAft>
+            </a:pPr>
+            <a:r>
+              <a:rPr lang="zh-CN" altLang="zh-CN" dirty="0">
+                <a:latin typeface="Arial" panose="020B0604020202020204" pitchFamily="34" charset="0"/>
+              </a:rPr>
+              <a:t>Boolean</a:t>
+            </a:r>
+            <a:r>
+              <a:rPr lang="zh-CN" dirty="0">
+                <a:latin typeface="Arial" panose="020B0604020202020204" pitchFamily="34" charset="0"/>
+              </a:rPr>
+              <a:t>（布尔） </a:t>
+            </a:r>
+          </a:p>
+          <a:p>
+            <a:pPr eaLnBrk="0" fontAlgn="base" hangingPunct="0">
+              <a:lnSpc>
+                <a:spcPct val="150000"/>
+              </a:lnSpc>
+              <a:spcBef>
+                <a:spcPct val="0"/>
+              </a:spcBef>
+              <a:spcAft>
+                <a:spcPct val="0"/>
+              </a:spcAft>
+            </a:pPr>
+            <a:r>
+              <a:rPr lang="zh-CN" altLang="zh-CN" dirty="0">
+                <a:latin typeface="Arial" panose="020B0604020202020204" pitchFamily="34" charset="0"/>
+              </a:rPr>
+              <a:t>Symbol</a:t>
+            </a:r>
+            <a:r>
+              <a:rPr lang="zh-CN" dirty="0">
+                <a:latin typeface="Arial" panose="020B0604020202020204" pitchFamily="34" charset="0"/>
+              </a:rPr>
+              <a:t>（符号）（第六版新增） </a:t>
+            </a:r>
+          </a:p>
+          <a:p>
+            <a:pPr eaLnBrk="0" fontAlgn="base" hangingPunct="0">
+              <a:lnSpc>
+                <a:spcPct val="150000"/>
+              </a:lnSpc>
+              <a:spcBef>
+                <a:spcPct val="0"/>
+              </a:spcBef>
+              <a:spcAft>
+                <a:spcPct val="0"/>
+              </a:spcAft>
+            </a:pPr>
+            <a:r>
+              <a:rPr lang="zh-CN" altLang="zh-CN" dirty="0">
+                <a:latin typeface="Arial" panose="020B0604020202020204" pitchFamily="34" charset="0"/>
+              </a:rPr>
+              <a:t>Object</a:t>
+            </a:r>
+            <a:r>
+              <a:rPr lang="zh-CN" dirty="0">
+                <a:latin typeface="Arial" panose="020B0604020202020204" pitchFamily="34" charset="0"/>
+              </a:rPr>
+              <a:t>（对象） </a:t>
+            </a:r>
+          </a:p>
+          <a:p>
+            <a:pPr lvl="1" eaLnBrk="0" fontAlgn="base" hangingPunct="0">
+              <a:lnSpc>
+                <a:spcPct val="150000"/>
+              </a:lnSpc>
+              <a:spcBef>
+                <a:spcPct val="0"/>
+              </a:spcBef>
+              <a:spcAft>
+                <a:spcPct val="0"/>
+              </a:spcAft>
+              <a:buFontTx/>
+              <a:buChar char="•"/>
+            </a:pPr>
+            <a:r>
+              <a:rPr lang="zh-CN" altLang="zh-CN" dirty="0"/>
+              <a:t>Function</a:t>
+            </a:r>
+            <a:r>
+              <a:rPr lang="zh-CN" dirty="0"/>
+              <a:t>（函数） </a:t>
+            </a:r>
+          </a:p>
+          <a:p>
+            <a:pPr lvl="1" eaLnBrk="0" fontAlgn="base" hangingPunct="0">
+              <a:lnSpc>
+                <a:spcPct val="150000"/>
+              </a:lnSpc>
+              <a:spcBef>
+                <a:spcPct val="0"/>
+              </a:spcBef>
+              <a:spcAft>
+                <a:spcPct val="0"/>
+              </a:spcAft>
+              <a:buFontTx/>
+              <a:buChar char="•"/>
+            </a:pPr>
+            <a:r>
+              <a:rPr lang="zh-CN" altLang="zh-CN" dirty="0"/>
+              <a:t>Array</a:t>
+            </a:r>
+            <a:r>
+              <a:rPr lang="zh-CN" dirty="0"/>
+              <a:t>（数组） </a:t>
+            </a:r>
+          </a:p>
+          <a:p>
+            <a:pPr lvl="1" eaLnBrk="0" fontAlgn="base" hangingPunct="0">
+              <a:lnSpc>
+                <a:spcPct val="150000"/>
+              </a:lnSpc>
+              <a:spcBef>
+                <a:spcPct val="0"/>
+              </a:spcBef>
+              <a:spcAft>
+                <a:spcPct val="0"/>
+              </a:spcAft>
+              <a:buFontTx/>
+              <a:buChar char="•"/>
+            </a:pPr>
+            <a:r>
+              <a:rPr lang="zh-CN" altLang="zh-CN" dirty="0"/>
+              <a:t>Date</a:t>
+            </a:r>
+            <a:r>
+              <a:rPr lang="zh-CN" dirty="0"/>
+              <a:t>（日期） </a:t>
+            </a:r>
+          </a:p>
+          <a:p>
+            <a:pPr lvl="1" eaLnBrk="0" fontAlgn="base" hangingPunct="0">
+              <a:lnSpc>
+                <a:spcPct val="150000"/>
+              </a:lnSpc>
+              <a:spcBef>
+                <a:spcPct val="0"/>
+              </a:spcBef>
+              <a:spcAft>
+                <a:spcPct val="0"/>
+              </a:spcAft>
+              <a:buFontTx/>
+              <a:buChar char="•"/>
+            </a:pPr>
+            <a:r>
+              <a:rPr lang="zh-CN" altLang="zh-CN" dirty="0"/>
+              <a:t>RegExp</a:t>
+            </a:r>
+            <a:r>
+              <a:rPr lang="zh-CN" dirty="0"/>
+              <a:t>（正则表达式） </a:t>
+            </a:r>
+          </a:p>
+          <a:p>
+            <a:pPr eaLnBrk="0" fontAlgn="base" hangingPunct="0">
+              <a:lnSpc>
+                <a:spcPct val="150000"/>
+              </a:lnSpc>
+              <a:spcBef>
+                <a:spcPct val="0"/>
+              </a:spcBef>
+              <a:spcAft>
+                <a:spcPct val="0"/>
+              </a:spcAft>
+            </a:pPr>
+            <a:r>
+              <a:rPr lang="zh-CN" altLang="zh-CN" dirty="0">
+                <a:latin typeface="Arial" panose="020B0604020202020204" pitchFamily="34" charset="0"/>
+              </a:rPr>
+              <a:t>Null</a:t>
+            </a:r>
+            <a:r>
+              <a:rPr lang="zh-CN" dirty="0">
+                <a:latin typeface="Arial" panose="020B0604020202020204" pitchFamily="34" charset="0"/>
+              </a:rPr>
+              <a:t>（空） </a:t>
+            </a:r>
+          </a:p>
+          <a:p>
+            <a:pPr eaLnBrk="0" fontAlgn="base" hangingPunct="0">
+              <a:lnSpc>
+                <a:spcPct val="150000"/>
+              </a:lnSpc>
+              <a:spcBef>
+                <a:spcPct val="0"/>
+              </a:spcBef>
+              <a:spcAft>
+                <a:spcPct val="0"/>
+              </a:spcAft>
+            </a:pPr>
+            <a:r>
+              <a:rPr lang="zh-CN" altLang="zh-CN" dirty="0">
+                <a:latin typeface="Arial" panose="020B0604020202020204" pitchFamily="34" charset="0"/>
+              </a:rPr>
+              <a:t>Undefined</a:t>
+            </a:r>
+            <a:r>
+              <a:rPr lang="zh-CN" dirty="0">
+                <a:latin typeface="Arial" panose="020B0604020202020204" pitchFamily="34" charset="0"/>
+              </a:rPr>
+              <a:t>（未定义） </a:t>
+            </a:r>
+            <a:endParaRPr lang="en-US" altLang="zh-CN" dirty="0" smtClean="0">
+              <a:latin typeface="Arial" panose="020B0604020202020204" pitchFamily="34" charset="0"/>
+            </a:endParaRPr>
+          </a:p>
+          <a:p>
+            <a:pPr eaLnBrk="0" fontAlgn="base" hangingPunct="0">
+              <a:lnSpc>
+                <a:spcPct val="150000"/>
+              </a:lnSpc>
+              <a:spcBef>
+                <a:spcPct val="0"/>
+              </a:spcBef>
+              <a:spcAft>
+                <a:spcPct val="0"/>
+              </a:spcAft>
+            </a:pPr>
+            <a:r>
+              <a:rPr lang="en-US" altLang="zh-CN" dirty="0" smtClean="0">
+                <a:latin typeface="Arial" panose="020B0604020202020204" pitchFamily="34" charset="0"/>
+              </a:rPr>
+              <a:t>Error (</a:t>
+            </a:r>
+            <a:r>
+              <a:rPr lang="zh-CN" altLang="en-US" dirty="0" smtClean="0">
+                <a:latin typeface="Arial" panose="020B0604020202020204" pitchFamily="34" charset="0"/>
+              </a:rPr>
+              <a:t>错误</a:t>
+            </a:r>
+            <a:r>
+              <a:rPr lang="en-US" altLang="zh-CN" dirty="0" smtClean="0">
+                <a:latin typeface="Arial" panose="020B0604020202020204" pitchFamily="34" charset="0"/>
+              </a:rPr>
+              <a:t>)</a:t>
+            </a:r>
+            <a:endParaRPr lang="zh-CN" dirty="0">
+              <a:latin typeface="Arial" panose="020B0604020202020204" pitchFamily="34" charset="0"/>
+            </a:endParaRPr>
+          </a:p>
+        </p:txBody>
+      </p:sp>
+    </p:spTree>
+    <p:extLst>
+      <p:ext uri="{BB962C8B-B14F-4D97-AF65-F5344CB8AC3E}">
+        <p14:creationId xmlns:p14="http://schemas.microsoft.com/office/powerpoint/2010/main" val="2556619872"/>
+      </p:ext>
+    </p:extLst>
+  </p:cSld>
+  <p:clrMapOvr>
+    <a:masterClrMapping/>
+  </p:clrMapOvr>
+  <p:timing>
+    <p:tnLst>
+      <p:par>
+        <p:cTn id="1" dur="indefinite" restart="never" nodeType="tmRoot"/>
+      </p:par>
+    </p:tnLst>
+  </p:timing>
+</p:sld>
+</file>
+
+<file path=ppt/slides/slide7.xml><?xml version="1.0" encoding="utf-8"?>
+<p:sld xmlns:a="http://schemas.openxmlformats.org/drawingml/2006/main" xmlns:r="http://schemas.openxmlformats.org/officeDocument/2006/relationships" xmlns:p="http://schemas.openxmlformats.org/presentationml/2006/main">
+  <p:cSld>
+    <p:spTree>
+      <p:nvGrpSpPr>
+        <p:cNvPr id="1" name=""/>
+        <p:cNvGrpSpPr/>
+        <p:nvPr/>
+      </p:nvGrpSpPr>
+      <p:grpSpPr>
+        <a:xfrm>
+          <a:off x="0" y="0"/>
+          <a:ext cx="0" cy="0"/>
+          <a:chOff x="0" y="0"/>
+          <a:chExt cx="0" cy="0"/>
+        </a:xfrm>
+      </p:grpSpPr>
+      <p:sp>
+        <p:nvSpPr>
+          <p:cNvPr id="2" name="标题 1"/>
+          <p:cNvSpPr>
+            <a:spLocks noGrp="1"/>
+          </p:cNvSpPr>
+          <p:nvPr>
+            <p:ph type="title"/>
+          </p:nvPr>
+        </p:nvSpPr>
+        <p:spPr/>
+        <p:txBody>
+          <a:bodyPr/>
+          <a:lstStyle/>
+          <a:p>
+            <a:r>
+              <a:rPr lang="zh-CN" altLang="en-US" dirty="0" smtClean="0"/>
+              <a:t>变量</a:t>
+            </a:r>
+            <a:endParaRPr lang="zh-CN" altLang="en-US" dirty="0"/>
+          </a:p>
+        </p:txBody>
+      </p:sp>
+      <p:sp>
+        <p:nvSpPr>
+          <p:cNvPr id="3" name="文本框 2"/>
+          <p:cNvSpPr txBox="1"/>
+          <p:nvPr/>
+        </p:nvSpPr>
+        <p:spPr>
+          <a:xfrm>
+            <a:off x="1651379" y="2101755"/>
+            <a:ext cx="476221" cy="369332"/>
+          </a:xfrm>
+          <a:prstGeom prst="rect">
+            <a:avLst/>
+          </a:prstGeom>
+          <a:noFill/>
+        </p:spPr>
+        <p:txBody>
+          <a:bodyPr wrap="none" rtlCol="0">
+            <a:spAutoFit/>
+          </a:bodyPr>
+          <a:lstStyle/>
+          <a:p>
+            <a:r>
+              <a:rPr lang="en-US" altLang="zh-CN" dirty="0" err="1" smtClean="0"/>
+              <a:t>var</a:t>
+            </a:r>
+            <a:endParaRPr lang="zh-CN" altLang="en-US" dirty="0"/>
+          </a:p>
+        </p:txBody>
+      </p:sp>
+      <p:sp>
+        <p:nvSpPr>
+          <p:cNvPr id="4" name="文本框 3"/>
+          <p:cNvSpPr txBox="1"/>
+          <p:nvPr/>
+        </p:nvSpPr>
+        <p:spPr>
+          <a:xfrm>
+            <a:off x="1675135" y="3035892"/>
+            <a:ext cx="428707" cy="369332"/>
+          </a:xfrm>
+          <a:prstGeom prst="rect">
+            <a:avLst/>
+          </a:prstGeom>
+          <a:noFill/>
+        </p:spPr>
+        <p:txBody>
+          <a:bodyPr wrap="none" rtlCol="0">
+            <a:spAutoFit/>
+          </a:bodyPr>
+          <a:lstStyle/>
+          <a:p>
+            <a:r>
+              <a:rPr lang="en-US" altLang="zh-CN" dirty="0" smtClean="0"/>
+              <a:t>let</a:t>
+            </a:r>
+            <a:endParaRPr lang="zh-CN" altLang="en-US" dirty="0"/>
+          </a:p>
+        </p:txBody>
+      </p:sp>
+      <p:sp>
+        <p:nvSpPr>
+          <p:cNvPr id="5" name="文本框 4"/>
+          <p:cNvSpPr txBox="1"/>
+          <p:nvPr/>
+        </p:nvSpPr>
+        <p:spPr>
+          <a:xfrm>
+            <a:off x="1545323" y="3970029"/>
+            <a:ext cx="688330" cy="369332"/>
+          </a:xfrm>
+          <a:prstGeom prst="rect">
+            <a:avLst/>
+          </a:prstGeom>
+          <a:noFill/>
+        </p:spPr>
+        <p:txBody>
+          <a:bodyPr wrap="none" rtlCol="0">
+            <a:spAutoFit/>
+          </a:bodyPr>
+          <a:lstStyle/>
+          <a:p>
+            <a:r>
+              <a:rPr lang="en-US" altLang="zh-CN" dirty="0" err="1" smtClean="0"/>
+              <a:t>const</a:t>
+            </a:r>
+            <a:endParaRPr lang="zh-CN" altLang="en-US" dirty="0"/>
+          </a:p>
+        </p:txBody>
+      </p:sp>
+    </p:spTree>
+    <p:extLst>
+      <p:ext uri="{BB962C8B-B14F-4D97-AF65-F5344CB8AC3E}">
+        <p14:creationId xmlns:p14="http://schemas.microsoft.com/office/powerpoint/2010/main" val="2135828933"/>
+      </p:ext>
+    </p:extLst>
+  </p:cSld>
+  <p:clrMapOvr>
+    <a:masterClrMapping/>
+  </p:clrMapOvr>
+  <p:timing>
+    <p:tnLst>
+      <p:par>
+        <p:cTn id="1" dur="indefinite" restart="never" nodeType="tmRoot"/>
+      </p:par>
+    </p:tnLst>
+  </p:timing>
+</p:sld>
+</file>
+
+<file path=ppt/slides/slide8.xml><?xml version="1.0" encoding="utf-8"?>
+<p:sld xmlns:a="http://schemas.openxmlformats.org/drawingml/2006/main" xmlns:r="http://schemas.openxmlformats.org/officeDocument/2006/relationships" xmlns:p="http://schemas.openxmlformats.org/presentationml/2006/main">
+  <p:cSld>
+    <p:spTree>
+      <p:nvGrpSpPr>
+        <p:cNvPr id="1" name=""/>
+        <p:cNvGrpSpPr/>
+        <p:nvPr/>
+      </p:nvGrpSpPr>
+      <p:grpSpPr>
+        <a:xfrm>
+          <a:off x="0" y="0"/>
+          <a:ext cx="0" cy="0"/>
+          <a:chOff x="0" y="0"/>
+          <a:chExt cx="0" cy="0"/>
+        </a:xfrm>
+      </p:grpSpPr>
+      <p:sp>
+        <p:nvSpPr>
+          <p:cNvPr id="2" name="标题 1"/>
+          <p:cNvSpPr>
+            <a:spLocks noGrp="1"/>
+          </p:cNvSpPr>
+          <p:nvPr>
+            <p:ph type="title"/>
+          </p:nvPr>
+        </p:nvSpPr>
+        <p:spPr/>
+        <p:txBody>
+          <a:bodyPr/>
+          <a:lstStyle/>
+          <a:p>
+            <a:r>
+              <a:rPr lang="zh-CN" altLang="en-US" dirty="0"/>
+              <a:t>运算符</a:t>
+            </a:r>
+          </a:p>
+        </p:txBody>
+      </p:sp>
+    </p:spTree>
+    <p:extLst>
+      <p:ext uri="{BB962C8B-B14F-4D97-AF65-F5344CB8AC3E}">
+        <p14:creationId xmlns:p14="http://schemas.microsoft.com/office/powerpoint/2010/main" val="1171597514"/>
+      </p:ext>
+    </p:extLst>
+  </p:cSld>
+  <p:clrMapOvr>
+    <a:masterClrMapping/>
+  </p:clrMapOvr>
+  <p:timing>
+    <p:tnLst>
+      <p:par>
+        <p:cTn id="1" dur="indefinite" restart="never" nodeType="tmRoot"/>
+      </p:par>
+    </p:tnLst>
+  </p:timing>
+</p:sld>
+</file>
+
+<file path=ppt/slides/slide9.xml><?xml version="1.0" encoding="utf-8"?>
+<p:sld xmlns:a="http://schemas.openxmlformats.org/drawingml/2006/main" xmlns:r="http://schemas.openxmlformats.org/officeDocument/2006/relationships" xmlns:p="http://schemas.openxmlformats.org/presentationml/2006/main">
+  <p:cSld>
+    <p:spTree>
+      <p:nvGrpSpPr>
+        <p:cNvPr id="1" name=""/>
+        <p:cNvGrpSpPr/>
+        <p:nvPr/>
+      </p:nvGrpSpPr>
+      <p:grpSpPr>
+        <a:xfrm>
+          <a:off x="0" y="0"/>
+          <a:ext cx="0" cy="0"/>
+          <a:chOff x="0" y="0"/>
+          <a:chExt cx="0" cy="0"/>
+        </a:xfrm>
+      </p:grpSpPr>
+      <p:sp>
+        <p:nvSpPr>
+          <p:cNvPr id="2" name="标题 1"/>
+          <p:cNvSpPr>
+            <a:spLocks noGrp="1"/>
+          </p:cNvSpPr>
+          <p:nvPr>
+            <p:ph type="title"/>
+          </p:nvPr>
+        </p:nvSpPr>
+        <p:spPr/>
+        <p:txBody>
+          <a:bodyPr/>
+          <a:lstStyle/>
+          <a:p>
+            <a:r>
+              <a:rPr lang="zh-CN" altLang="en-US" dirty="0" smtClean="0"/>
+              <a:t>控制结构</a:t>
+            </a:r>
+            <a:endParaRPr lang="zh-CN" altLang="en-US" dirty="0"/>
+          </a:p>
+        </p:txBody>
+      </p:sp>
+    </p:spTree>
+    <p:extLst>
+      <p:ext uri="{BB962C8B-B14F-4D97-AF65-F5344CB8AC3E}">
+        <p14:creationId xmlns:p14="http://schemas.microsoft.com/office/powerpoint/2010/main" val="245056005"/>
       </p:ext>
     </p:extLst>
   </p:cSld>

--- a/ppt/front-end/Javascript.pptx
+++ b/ppt/front-end/Javascript.pptx
@@ -1884,12 +1884,12 @@
                         </a:spcAft>
                       </a:pPr>
                       <a:r>
-                        <a:rPr lang="en-US" sz="1400" kern="100">
+                        <a:rPr lang="en-US" sz="1400" kern="100" dirty="0">
                           <a:effectLst/>
                         </a:rPr>
                         <a:t>==</a:t>
                       </a:r>
-                      <a:endParaRPr lang="zh-CN" sz="1400" kern="100">
+                      <a:endParaRPr lang="zh-CN" sz="1400" kern="100" dirty="0">
                         <a:effectLst/>
                         <a:latin typeface="Times New Roman" panose="02020603050405020304" pitchFamily="18" charset="0"/>
                         <a:ea typeface="宋体" panose="02010600030101010101" pitchFamily="2" charset="-122"/>
@@ -2020,25 +2020,49 @@
                         </a:spcAft>
                       </a:pPr>
                       <a:r>
-                        <a:rPr lang="en-US" sz="1400" kern="100">
+                        <a:rPr lang="en-US" sz="1400" kern="100" dirty="0">
                           <a:effectLst/>
                         </a:rPr>
-                        <a:t>123 == 234  “ddkj”==”sdf” </a:t>
+                        <a:t>123 == 234  “</a:t>
                       </a:r>
                       <a:r>
-                        <a:rPr lang="en-US" sz="1400" kern="100">
+                        <a:rPr lang="en-US" sz="1400" kern="100" dirty="0" err="1">
+                          <a:effectLst/>
+                        </a:rPr>
+                        <a:t>ddkj</a:t>
+                      </a:r>
+                      <a:r>
+                        <a:rPr lang="en-US" sz="1400" kern="100" dirty="0">
+                          <a:effectLst/>
+                        </a:rPr>
+                        <a:t>”==”</a:t>
+                      </a:r>
+                      <a:r>
+                        <a:rPr lang="en-US" sz="1400" kern="100" dirty="0" err="1">
+                          <a:effectLst/>
+                        </a:rPr>
+                        <a:t>sdf</a:t>
+                      </a:r>
+                      <a:r>
+                        <a:rPr lang="en-US" sz="1400" kern="100" dirty="0">
+                          <a:effectLst/>
+                        </a:rPr>
+                        <a:t>” </a:t>
+                      </a:r>
+                      <a:r>
+                        <a:rPr lang="en-US" sz="1400" kern="100" dirty="0">
                           <a:effectLst/>
                           <a:sym typeface="Wingdings" panose="05000000000000000000" pitchFamily="2" charset="2"/>
                         </a:rPr>
                         <a:t></a:t>
                       </a:r>
                       <a:r>
-                        <a:rPr lang="en-US" sz="1400" kern="100">
+                        <a:rPr lang="en-US" sz="1400" kern="100" dirty="0">
                           <a:effectLst/>
                         </a:rPr>
                         <a:t>  false</a:t>
                       </a:r>
-                      <a:endParaRPr lang="zh-CN" sz="1400" kern="100">
+                      <a:endParaRPr lang="zh-CN" sz="1400" kern="100" dirty="0">
                         <a:effectLst/>
                         <a:latin typeface="Times New Roman" panose="02020603050405020304" pitchFamily="18" charset="0"/>
                         <a:ea typeface="宋体" panose="02010600030101010101" pitchFamily="2" charset="-122"/>
@@ -2452,25 +2476,25 @@
                         </a:spcAft>
                       </a:pPr>
                       <a:r>
-                        <a:rPr lang="en-US" sz="1400" kern="100">
+                        <a:rPr lang="en-US" sz="1400" kern="100" dirty="0">
                           <a:effectLst/>
                         </a:rPr>
                         <a:t>123 &gt; 234    </a:t>
                       </a:r>
                       <a:r>
-                        <a:rPr lang="en-US" sz="1400" kern="100">
+                        <a:rPr lang="en-US" sz="1400" kern="100" dirty="0">
                           <a:effectLst/>
                           <a:sym typeface="Wingdings" panose="05000000000000000000" pitchFamily="2" charset="2"/>
                         </a:rPr>
                         <a:t></a:t>
                       </a:r>
                       <a:r>
-                        <a:rPr lang="en-US" sz="1400" kern="100">
+                        <a:rPr lang="en-US" sz="1400" kern="100" dirty="0">
                           <a:effectLst/>
                         </a:rPr>
                         <a:t>  false</a:t>
                       </a:r>
-                      <a:endParaRPr lang="zh-CN" sz="1400" kern="100">
+                      <a:endParaRPr lang="zh-CN" sz="1400" kern="100" dirty="0">
                         <a:effectLst/>
                         <a:latin typeface="Times New Roman" panose="02020603050405020304" pitchFamily="18" charset="0"/>
                         <a:ea typeface="宋体" panose="02010600030101010101" pitchFamily="2" charset="-122"/>
@@ -12884,10 +12908,10 @@
                     <a:lstStyle/>
                     <a:p>
                       <a:r>
-                        <a:rPr lang="zh-CN" altLang="en-US" smtClean="0"/>
+                        <a:rPr lang="zh-CN" altLang="en-US" dirty="0" smtClean="0"/>
                         <a:t>说明</a:t>
                       </a:r>
-                      <a:endParaRPr lang="zh-CN" altLang="en-US"/>
+                      <a:endParaRPr lang="zh-CN" altLang="en-US" dirty="0"/>
                     </a:p>
                   </a:txBody>
                   <a:tcPr/>
@@ -13380,7 +13404,7 @@
           <p:nvPr>
             <p:extLst>
               <p:ext uri="{D42A27DB-BD31-4B8C-83A1-F6EECF244321}">
-                <p14:modId xmlns:p14="http://schemas.microsoft.com/office/powerpoint/2010/main" val="3034184926"/>
+                <p14:modId xmlns:p14="http://schemas.microsoft.com/office/powerpoint/2010/main" val="3959371548"/>
               </p:ext>
             </p:extLst>
           </p:nvPr>
@@ -13442,7 +13466,11 @@
                       <a:endParaRPr lang="zh-CN" altLang="en-US" dirty="0"/>
                     </a:p>
                   </a:txBody>
-                  <a:tcPr/>
+                  <a:tcPr>
+                    <a:solidFill>
+                      <a:srgbClr val="C00000"/>
+                    </a:solidFill>
+                  </a:tcPr>
                 </a:tc>
                 <a:tc>
                   <a:txBody>
@@ -13456,7 +13484,11 @@
                       <a:endParaRPr lang="zh-CN" altLang="en-US" dirty="0"/>
                     </a:p>
                   </a:txBody>
-                  <a:tcPr/>
+                  <a:tcPr>
+                    <a:solidFill>
+                      <a:srgbClr val="C00000"/>
+                    </a:solidFill>
+                  </a:tcPr>
                 </a:tc>
               </a:tr>
               <a:tr h="370840">
@@ -14546,8 +14578,13 @@
           <a:p>
             <a:r>
               <a:rPr lang="en-US" altLang="zh-CN" dirty="0" smtClean="0"/>
-              <a:t>    let  a = 10;</a:t>
-            </a:r>
+              <a:t>    let  a = 10</a:t>
+            </a:r>
+            <a:r>
+              <a:rPr lang="en-US" altLang="zh-CN" dirty="0" smtClean="0"/>
+              <a:t>;</a:t>
+            </a:r>
+            <a:endParaRPr lang="en-US" altLang="zh-CN" dirty="0" smtClean="0"/>
           </a:p>
           <a:p>
             <a:r>
@@ -14556,7 +14593,15 @@
             </a:r>
             <a:r>
               <a:rPr lang="en-US" altLang="zh-CN" dirty="0" smtClean="0"/>
-              <a:t>   console.log(a; // 10</a:t>
+              <a:t>   </a:t>
+            </a:r>
+            <a:r>
+              <a:rPr lang="en-US" altLang="zh-CN" dirty="0" smtClean="0"/>
+              <a:t>console.log(a); </a:t>
+            </a:r>
+            <a:r>
+              <a:rPr lang="en-US" altLang="zh-CN" dirty="0" smtClean="0"/>
+              <a:t>// 10</a:t>
             </a:r>
           </a:p>
           <a:p>
@@ -14564,6 +14609,7 @@
               <a:rPr lang="en-US" altLang="zh-CN" dirty="0" smtClean="0"/>
               <a:t>}</a:t>
             </a:r>
+            <a:endParaRPr lang="en-US" altLang="zh-CN" dirty="0" smtClean="0"/>
           </a:p>
           <a:p>
             <a:r>
@@ -15351,10 +15397,10 @@
                         </a:spcAft>
                       </a:pPr>
                       <a:r>
-                        <a:rPr lang="en-US" sz="1400"/>
+                        <a:rPr lang="en-US" sz="1400" dirty="0"/>
                         <a:t>%</a:t>
                       </a:r>
-                      <a:endParaRPr lang="zh-CN" sz="1400"/>
+                      <a:endParaRPr lang="zh-CN" sz="1400" dirty="0"/>
                     </a:p>
                   </a:txBody>
                   <a:tcPr marL="72000" marR="72000" marT="72000" marB="72000">
@@ -15486,10 +15532,10 @@
                         </a:spcAft>
                       </a:pPr>
                       <a:r>
-                        <a:rPr lang="en-US" sz="1400"/>
+                        <a:rPr lang="en-US" sz="1400" dirty="0"/>
                         <a:t>--</a:t>
                       </a:r>
-                      <a:endParaRPr lang="zh-CN" sz="1400"/>
+                      <a:endParaRPr lang="zh-CN" sz="1400" dirty="0"/>
                     </a:p>
                   </a:txBody>
                   <a:tcPr marL="72000" marR="72000" marT="72000" marB="72000">
@@ -15629,10 +15675,10 @@
                         </a:spcAft>
                       </a:pPr>
                       <a:r>
-                        <a:rPr lang="en-US" sz="1400"/>
+                        <a:rPr lang="en-US" sz="1400" dirty="0"/>
                         <a:t>++</a:t>
                       </a:r>
-                      <a:endParaRPr lang="zh-CN" sz="1400"/>
+                      <a:endParaRPr lang="zh-CN" sz="1400" dirty="0"/>
                     </a:p>
                   </a:txBody>
                   <a:tcPr marL="72000" marR="72000" marT="72000" marB="72000">

--- a/ppt/front-end/Javascript.pptx
+++ b/ppt/front-end/Javascript.pptx
@@ -1229,7 +1229,7 @@
         <p:spPr>
           <a:xfrm>
             <a:off x="-14068" y="-14068"/>
-            <a:ext cx="3191899" cy="369332"/>
+            <a:ext cx="6421886" cy="369332"/>
           </a:xfrm>
           <a:prstGeom prst="rect">
             <a:avLst/>
@@ -1293,7 +1293,77 @@
                 <a:latin typeface="微软雅黑" panose="020B0503020204020204" pitchFamily="34" charset="-122"/>
                 <a:ea typeface="微软雅黑" panose="020B0503020204020204" pitchFamily="34" charset="-122"/>
               </a:rPr>
-              <a:t>喜欢分享编程技术</a:t>
+              <a:t>喜欢分享编程</a:t>
+            </a:r>
+            <a:r>
+              <a:rPr lang="zh-CN" altLang="en-US" u="none" dirty="0" smtClean="0">
+                <a:solidFill>
+                  <a:schemeClr val="bg1"/>
+                </a:solidFill>
+                <a:latin typeface="微软雅黑" panose="020B0503020204020204" pitchFamily="34" charset="-122"/>
+                <a:ea typeface="微软雅黑" panose="020B0503020204020204" pitchFamily="34" charset="-122"/>
+              </a:rPr>
+              <a:t>技术</a:t>
+            </a:r>
+            <a:r>
+              <a:rPr lang="en-US" altLang="zh-CN" u="none" dirty="0" smtClean="0">
+                <a:solidFill>
+                  <a:schemeClr val="bg1"/>
+                </a:solidFill>
+                <a:latin typeface="微软雅黑" panose="020B0503020204020204" pitchFamily="34" charset="-122"/>
+                <a:ea typeface="微软雅黑" panose="020B0503020204020204" pitchFamily="34" charset="-122"/>
+              </a:rPr>
+              <a:t>(</a:t>
+            </a:r>
+            <a:r>
+              <a:rPr lang="zh-CN" altLang="en-US" u="none" dirty="0" smtClean="0">
+                <a:solidFill>
+                  <a:schemeClr val="bg1"/>
+                </a:solidFill>
+                <a:latin typeface="微软雅黑" panose="020B0503020204020204" pitchFamily="34" charset="-122"/>
+                <a:ea typeface="微软雅黑" panose="020B0503020204020204" pitchFamily="34" charset="-122"/>
+              </a:rPr>
+              <a:t>微信公众号</a:t>
+            </a:r>
+            <a:r>
+              <a:rPr lang="en-US" altLang="zh-CN" u="none" dirty="0" smtClean="0">
+                <a:solidFill>
+                  <a:schemeClr val="bg1"/>
+                </a:solidFill>
+                <a:latin typeface="微软雅黑" panose="020B0503020204020204" pitchFamily="34" charset="-122"/>
+                <a:ea typeface="微软雅黑" panose="020B0503020204020204" pitchFamily="34" charset="-122"/>
+              </a:rPr>
+              <a:t>:</a:t>
+            </a:r>
+            <a:r>
+              <a:rPr lang="en-US" altLang="zh-CN" u="none" baseline="0" dirty="0" smtClean="0">
+                <a:solidFill>
+                  <a:schemeClr val="bg1"/>
+                </a:solidFill>
+                <a:latin typeface="微软雅黑" panose="020B0503020204020204" pitchFamily="34" charset="-122"/>
+                <a:ea typeface="微软雅黑" panose="020B0503020204020204" pitchFamily="34" charset="-122"/>
+              </a:rPr>
+              <a:t> </a:t>
+            </a:r>
+            <a:r>
+              <a:rPr lang="en-US" altLang="zh-CN" u="none" baseline="0" dirty="0" err="1" smtClean="0">
+                <a:solidFill>
+                  <a:schemeClr val="bg1"/>
+                </a:solidFill>
+                <a:latin typeface="微软雅黑" panose="020B0503020204020204" pitchFamily="34" charset="-122"/>
+                <a:ea typeface="微软雅黑" panose="020B0503020204020204" pitchFamily="34" charset="-122"/>
+              </a:rPr>
+              <a:t>bianchengderen</a:t>
+            </a:r>
+            <a:r>
+              <a:rPr lang="en-US" altLang="zh-CN" u="none" dirty="0" smtClean="0">
+                <a:solidFill>
+                  <a:schemeClr val="bg1"/>
+                </a:solidFill>
+                <a:latin typeface="微软雅黑" panose="020B0503020204020204" pitchFamily="34" charset="-122"/>
+                <a:ea typeface="微软雅黑" panose="020B0503020204020204" pitchFamily="34" charset="-122"/>
+              </a:rPr>
+              <a:t>)</a:t>
             </a:r>
             <a:endParaRPr lang="zh-CN" altLang="en-US" u="none" dirty="0">
               <a:solidFill>
@@ -12329,7 +12399,15 @@
             </a:r>
             <a:r>
               <a:rPr lang="zh-CN" altLang="en-US" dirty="0"/>
-              <a:t>注意的一个主要区别是 JavaScript 不支持类，类这一概念在 JavaScript 通过对象原型（object prototype）得到延续（有关 ES6 类的内容参考这里Classes）</a:t>
+              <a:t>注意的一个主要区别是 JavaScript 不支持类，类这一概念在 JavaScript 通过对象原型（object prototype）得到延续（有关 </a:t>
+            </a:r>
+            <a:r>
+              <a:rPr lang="zh-CN" altLang="en-US" dirty="0" smtClean="0"/>
+              <a:t>类</a:t>
+            </a:r>
+            <a:r>
+              <a:rPr lang="zh-CN" altLang="en-US" dirty="0"/>
+              <a:t>的内容参考ES6 ）</a:t>
             </a:r>
             <a:r>
               <a:rPr lang="zh-CN" altLang="en-US" dirty="0" smtClean="0"/>
@@ -19511,7 +19589,39 @@
             </a:r>
             <a:r>
               <a:rPr lang="zh-CN" altLang="en-US" dirty="0"/>
-              <a:t>[ nameValuePair1[, nameValuePair2[, ...nameValuePairN] ] ] }</a:t>
+              <a:t>[ </a:t>
+            </a:r>
+            <a:r>
+              <a:rPr lang="zh-CN" altLang="en-US" dirty="0" smtClean="0"/>
+              <a:t>name </a:t>
+            </a:r>
+            <a:r>
+              <a:rPr lang="en-US" altLang="zh-CN" dirty="0" smtClean="0"/>
+              <a:t>: </a:t>
+            </a:r>
+            <a:r>
+              <a:rPr lang="zh-CN" altLang="en-US" dirty="0" smtClean="0"/>
+              <a:t>ValuePair</a:t>
+            </a:r>
+            <a:r>
+              <a:rPr lang="zh-CN" altLang="en-US" dirty="0"/>
+              <a:t>1[, </a:t>
+            </a:r>
+            <a:r>
+              <a:rPr lang="zh-CN" altLang="en-US" dirty="0" smtClean="0"/>
+              <a:t>name </a:t>
+            </a:r>
+            <a:r>
+              <a:rPr lang="en-US" altLang="zh-CN" dirty="0" smtClean="0"/>
+              <a:t>: </a:t>
+            </a:r>
+            <a:r>
+              <a:rPr lang="zh-CN" altLang="en-US" dirty="0" smtClean="0"/>
+              <a:t>ValuePair</a:t>
+            </a:r>
+            <a:r>
+              <a:rPr lang="zh-CN" altLang="en-US" dirty="0"/>
+              <a:t>2[, ...nameValuePairN] ] ] }</a:t>
             </a:r>
           </a:p>
           <a:p>

--- a/ppt/front-end/Javascript.pptx
+++ b/ppt/front-end/Javascript.pptx
@@ -1293,17 +1293,7 @@
                 <a:latin typeface="微软雅黑" panose="020B0503020204020204" pitchFamily="34" charset="-122"/>
                 <a:ea typeface="微软雅黑" panose="020B0503020204020204" pitchFamily="34" charset="-122"/>
               </a:rPr>
-              <a:t>喜欢分享编程</a:t>
-            </a:r>
-            <a:r>
-              <a:rPr lang="zh-CN" altLang="en-US" u="none" dirty="0" smtClean="0">
-                <a:solidFill>
-                  <a:schemeClr val="bg1"/>
-                </a:solidFill>
-                <a:latin typeface="微软雅黑" panose="020B0503020204020204" pitchFamily="34" charset="-122"/>
-                <a:ea typeface="微软雅黑" panose="020B0503020204020204" pitchFamily="34" charset="-122"/>
-              </a:rPr>
-              <a:t>技术</a:t>
+              <a:t>喜欢分享编程技术</a:t>
             </a:r>
             <a:r>
               <a:rPr lang="en-US" altLang="zh-CN" u="none" dirty="0" smtClean="0">
@@ -21800,7 +21790,7 @@
         <p:spPr>
           <a:xfrm>
             <a:off x="2669930" y="2103120"/>
-            <a:ext cx="7132320" cy="2814617"/>
+            <a:ext cx="7132320" cy="2862322"/>
           </a:xfrm>
           <a:prstGeom prst="rect">
             <a:avLst/>
@@ -21834,8 +21824,16 @@
               </a:lnSpc>
             </a:pPr>
             <a:r>
+              <a:rPr lang="en-US" altLang="zh-CN" sz="2000" dirty="0"/>
+              <a:t>n</a:t>
+            </a:r>
+            <a:r>
               <a:rPr lang="en-US" altLang="zh-CN" sz="2000" dirty="0" smtClean="0"/>
-              <a:t>New Object()   //</a:t>
+              <a:t>ew </a:t>
+            </a:r>
+            <a:r>
+              <a:rPr lang="en-US" altLang="zh-CN" sz="2000" dirty="0" smtClean="0"/>
+              <a:t>Object()   //</a:t>
             </a:r>
             <a:r>
               <a:rPr lang="zh-CN" altLang="en-US" sz="2000" dirty="0" smtClean="0"/>
@@ -22393,7 +22391,7 @@
         <p:spPr>
           <a:xfrm>
             <a:off x="977461" y="1572571"/>
-            <a:ext cx="4903650" cy="923330"/>
+            <a:ext cx="5367367" cy="923330"/>
           </a:xfrm>
           <a:prstGeom prst="rect">
             <a:avLst/>
@@ -22418,8 +22416,16 @@
               <a:t>Javascript</a:t>
             </a:r>
             <a:r>
+              <a:rPr lang="en-US" altLang="zh-CN" smtClean="0"/>
+              <a:t>(es5)</a:t>
+            </a:r>
+            <a:r>
               <a:rPr lang="zh-CN" altLang="en-US" dirty="0" smtClean="0"/>
-              <a:t>没有类的概念</a:t>
+              <a:t>没有</a:t>
+            </a:r>
+            <a:r>
+              <a:rPr lang="zh-CN" altLang="en-US" dirty="0" smtClean="0"/>
+              <a:t>类的概念</a:t>
             </a:r>
             <a:r>
               <a:rPr lang="en-US" altLang="zh-CN" dirty="0" smtClean="0"/>
